--- a/project-assignments/Smart home design.pptx
+++ b/project-assignments/Smart home design.pptx
@@ -11,7 +11,7 @@
     <p:sldId id="263" r:id="rId5"/>
     <p:sldId id="264" r:id="rId6"/>
     <p:sldId id="265" r:id="rId7"/>
-    <p:sldId id="266" r:id="rId8"/>
+    <p:sldId id="274" r:id="rId8"/>
     <p:sldId id="267" r:id="rId9"/>
     <p:sldId id="268" r:id="rId10"/>
     <p:sldId id="269" r:id="rId11"/>
@@ -6319,10 +6319,10 @@
       </p:grpSpPr>
       <p:pic>
         <p:nvPicPr>
-          <p:cNvPr id="3" name="Picture 2" descr="A computer diagram of a circuit&#10;&#10;Description automatically generated">
-            <a:extLst>
-              <a:ext uri="{FF2B5EF4-FFF2-40B4-BE49-F238E27FC236}">
-                <a16:creationId xmlns:a16="http://schemas.microsoft.com/office/drawing/2014/main" id="{6CD90935-48D6-7B08-9F9B-A32FD80C8108}"/>
+          <p:cNvPr id="3" name="Picture 2" descr="A screenshot of a computer&#10;&#10;Description automatically generated">
+            <a:extLst>
+              <a:ext uri="{FF2B5EF4-FFF2-40B4-BE49-F238E27FC236}">
+                <a16:creationId xmlns:a16="http://schemas.microsoft.com/office/drawing/2014/main" id="{46750EE8-EEC4-4C64-C114-0CD55BA79B3B}"/>
               </a:ext>
             </a:extLst>
           </p:cNvPr>
@@ -6345,8 +6345,8 @@
         </p:blipFill>
         <p:spPr>
           <a:xfrm>
-            <a:off x="1270552" y="547388"/>
-            <a:ext cx="9650896" cy="5763224"/>
+            <a:off x="3108055" y="26355"/>
+            <a:ext cx="6274484" cy="6831645"/>
           </a:xfrm>
           <a:prstGeom prst="rect">
             <a:avLst/>
@@ -6356,7 +6356,7 @@
     </p:spTree>
     <p:extLst>
       <p:ext uri="{BB962C8B-B14F-4D97-AF65-F5344CB8AC3E}">
-        <p14:creationId xmlns:p14="http://schemas.microsoft.com/office/powerpoint/2010/main" val="1914919115"/>
+        <p14:creationId xmlns:p14="http://schemas.microsoft.com/office/powerpoint/2010/main" val="2266355189"/>
       </p:ext>
     </p:extLst>
   </p:cSld>
